--- a/ppt/EF/EF-Ch01.pptx
+++ b/ppt/EF/EF-Ch01.pptx
@@ -164,6 +164,36 @@
       </a:defRPr>
     </a:lvl9pPr>
   </p:defaultTextStyle>
+  <p:extLst>
+    <p:ext uri="{EFAFB233-063F-42B5-8137-9DF3F51BA10A}">
+      <p15:sldGuideLst xmlns:p15="http://schemas.microsoft.com/office/powerpoint/2012/main">
+        <p15:guide id="1" orient="horz" pos="926">
+          <p15:clr>
+            <a:srgbClr val="A4A3A4"/>
+          </p15:clr>
+        </p15:guide>
+        <p15:guide id="2" pos="269">
+          <p15:clr>
+            <a:srgbClr val="A4A3A4"/>
+          </p15:clr>
+        </p15:guide>
+      </p15:sldGuideLst>
+    </p:ext>
+    <p:ext uri="{2D200454-40CA-4A62-9FC3-DE9A4176ACB9}">
+      <p15:notesGuideLst xmlns:p15="http://schemas.microsoft.com/office/powerpoint/2012/main">
+        <p15:guide id="1" orient="horz" pos="3124">
+          <p15:clr>
+            <a:srgbClr val="A4A3A4"/>
+          </p15:clr>
+        </p15:guide>
+        <p15:guide id="2" pos="2136">
+          <p15:clr>
+            <a:srgbClr val="A4A3A4"/>
+          </p15:clr>
+        </p15:guide>
+      </p15:notesGuideLst>
+    </p:ext>
+  </p:extLst>
 </p:presentation>
 </file>
 
@@ -931,6 +961,11 @@
         </p:txBody>
       </p:sp>
     </p:spTree>
+    <p:extLst>
+      <p:ext uri="{BB962C8B-B14F-4D97-AF65-F5344CB8AC3E}">
+        <p14:creationId xmlns:p14="http://schemas.microsoft.com/office/powerpoint/2010/main" val="3017195413"/>
+      </p:ext>
+    </p:extLst>
   </p:cSld>
   <p:clrMapOvr>
     <a:masterClrMapping/>
@@ -1073,6 +1108,11 @@
         </p:txBody>
       </p:sp>
     </p:spTree>
+    <p:extLst>
+      <p:ext uri="{BB962C8B-B14F-4D97-AF65-F5344CB8AC3E}">
+        <p14:creationId xmlns:p14="http://schemas.microsoft.com/office/powerpoint/2010/main" val="2187248430"/>
+      </p:ext>
+    </p:extLst>
   </p:cSld>
   <p:clrMapOvr>
     <a:masterClrMapping/>
@@ -1200,6 +1240,11 @@
         </p:txBody>
       </p:sp>
     </p:spTree>
+    <p:extLst>
+      <p:ext uri="{BB962C8B-B14F-4D97-AF65-F5344CB8AC3E}">
+        <p14:creationId xmlns:p14="http://schemas.microsoft.com/office/powerpoint/2010/main" val="3580199334"/>
+      </p:ext>
+    </p:extLst>
   </p:cSld>
   <p:clrMapOvr>
     <a:masterClrMapping/>
@@ -1348,6 +1393,11 @@
         </p:txBody>
       </p:sp>
     </p:spTree>
+    <p:extLst>
+      <p:ext uri="{BB962C8B-B14F-4D97-AF65-F5344CB8AC3E}">
+        <p14:creationId xmlns:p14="http://schemas.microsoft.com/office/powerpoint/2010/main" val="1367443179"/>
+      </p:ext>
+    </p:extLst>
   </p:cSld>
   <p:clrMapOvr>
     <a:masterClrMapping/>
@@ -1475,6 +1525,11 @@
         </p:txBody>
       </p:sp>
     </p:spTree>
+    <p:extLst>
+      <p:ext uri="{BB962C8B-B14F-4D97-AF65-F5344CB8AC3E}">
+        <p14:creationId xmlns:p14="http://schemas.microsoft.com/office/powerpoint/2010/main" val="641123094"/>
+      </p:ext>
+    </p:extLst>
   </p:cSld>
   <p:clrMapOvr>
     <a:masterClrMapping/>
@@ -1602,6 +1657,11 @@
         </p:txBody>
       </p:sp>
     </p:spTree>
+    <p:extLst>
+      <p:ext uri="{BB962C8B-B14F-4D97-AF65-F5344CB8AC3E}">
+        <p14:creationId xmlns:p14="http://schemas.microsoft.com/office/powerpoint/2010/main" val="1331811897"/>
+      </p:ext>
+    </p:extLst>
   </p:cSld>
   <p:clrMapOvr>
     <a:masterClrMapping/>
@@ -1721,6 +1781,11 @@
         </p:txBody>
       </p:sp>
     </p:spTree>
+    <p:extLst>
+      <p:ext uri="{BB962C8B-B14F-4D97-AF65-F5344CB8AC3E}">
+        <p14:creationId xmlns:p14="http://schemas.microsoft.com/office/powerpoint/2010/main" val="797040448"/>
+      </p:ext>
+    </p:extLst>
   </p:cSld>
   <p:clrMapOvr>
     <a:masterClrMapping/>
@@ -1861,6 +1926,11 @@
         </p:txBody>
       </p:sp>
     </p:spTree>
+    <p:extLst>
+      <p:ext uri="{BB962C8B-B14F-4D97-AF65-F5344CB8AC3E}">
+        <p14:creationId xmlns:p14="http://schemas.microsoft.com/office/powerpoint/2010/main" val="4083962993"/>
+      </p:ext>
+    </p:extLst>
   </p:cSld>
   <p:clrMapOvr>
     <a:masterClrMapping/>
@@ -2002,6 +2072,11 @@
         </p:txBody>
       </p:sp>
     </p:spTree>
+    <p:extLst>
+      <p:ext uri="{BB962C8B-B14F-4D97-AF65-F5344CB8AC3E}">
+        <p14:creationId xmlns:p14="http://schemas.microsoft.com/office/powerpoint/2010/main" val="1778980893"/>
+      </p:ext>
+    </p:extLst>
   </p:cSld>
   <p:clrMapOvr>
     <a:masterClrMapping/>
@@ -2137,6 +2212,11 @@
         </p:txBody>
       </p:sp>
     </p:spTree>
+    <p:extLst>
+      <p:ext uri="{BB962C8B-B14F-4D97-AF65-F5344CB8AC3E}">
+        <p14:creationId xmlns:p14="http://schemas.microsoft.com/office/powerpoint/2010/main" val="481213152"/>
+      </p:ext>
+    </p:extLst>
   </p:cSld>
   <p:clrMapOvr>
     <a:masterClrMapping/>
@@ -2270,6 +2350,11 @@
         </p:txBody>
       </p:sp>
     </p:spTree>
+    <p:extLst>
+      <p:ext uri="{BB962C8B-B14F-4D97-AF65-F5344CB8AC3E}">
+        <p14:creationId xmlns:p14="http://schemas.microsoft.com/office/powerpoint/2010/main" val="3161826595"/>
+      </p:ext>
+    </p:extLst>
   </p:cSld>
   <p:clrMapOvr>
     <a:masterClrMapping/>
@@ -2414,6 +2499,11 @@
         </p:txBody>
       </p:sp>
     </p:spTree>
+    <p:extLst>
+      <p:ext uri="{BB962C8B-B14F-4D97-AF65-F5344CB8AC3E}">
+        <p14:creationId xmlns:p14="http://schemas.microsoft.com/office/powerpoint/2010/main" val="2030530292"/>
+      </p:ext>
+    </p:extLst>
   </p:cSld>
   <p:clrMapOvr>
     <a:masterClrMapping/>
@@ -2540,6 +2630,11 @@
         </p:txBody>
       </p:sp>
     </p:spTree>
+    <p:extLst>
+      <p:ext uri="{BB962C8B-B14F-4D97-AF65-F5344CB8AC3E}">
+        <p14:creationId xmlns:p14="http://schemas.microsoft.com/office/powerpoint/2010/main" val="1398049510"/>
+      </p:ext>
+    </p:extLst>
   </p:cSld>
   <p:clrMapOvr>
     <a:masterClrMapping/>
@@ -2666,6 +2761,11 @@
         </p:txBody>
       </p:sp>
     </p:spTree>
+    <p:extLst>
+      <p:ext uri="{BB962C8B-B14F-4D97-AF65-F5344CB8AC3E}">
+        <p14:creationId xmlns:p14="http://schemas.microsoft.com/office/powerpoint/2010/main" val="4202235602"/>
+      </p:ext>
+    </p:extLst>
   </p:cSld>
   <p:clrMapOvr>
     <a:masterClrMapping/>
@@ -2782,6 +2882,11 @@
         </p:txBody>
       </p:sp>
     </p:spTree>
+    <p:extLst>
+      <p:ext uri="{BB962C8B-B14F-4D97-AF65-F5344CB8AC3E}">
+        <p14:creationId xmlns:p14="http://schemas.microsoft.com/office/powerpoint/2010/main" val="3699172878"/>
+      </p:ext>
+    </p:extLst>
   </p:cSld>
   <p:clrMapOvr>
     <a:masterClrMapping/>
@@ -2902,6 +3007,11 @@
         </p:txBody>
       </p:sp>
     </p:spTree>
+    <p:extLst>
+      <p:ext uri="{BB962C8B-B14F-4D97-AF65-F5344CB8AC3E}">
+        <p14:creationId xmlns:p14="http://schemas.microsoft.com/office/powerpoint/2010/main" val="2702150811"/>
+      </p:ext>
+    </p:extLst>
   </p:cSld>
   <p:clrMapOvr>
     <a:masterClrMapping/>
@@ -3021,6 +3131,11 @@
         </p:txBody>
       </p:sp>
     </p:spTree>
+    <p:extLst>
+      <p:ext uri="{BB962C8B-B14F-4D97-AF65-F5344CB8AC3E}">
+        <p14:creationId xmlns:p14="http://schemas.microsoft.com/office/powerpoint/2010/main" val="4278858819"/>
+      </p:ext>
+    </p:extLst>
   </p:cSld>
   <p:clrMapOvr>
     <a:masterClrMapping/>
@@ -3140,6 +3255,11 @@
         </p:txBody>
       </p:sp>
     </p:spTree>
+    <p:extLst>
+      <p:ext uri="{BB962C8B-B14F-4D97-AF65-F5344CB8AC3E}">
+        <p14:creationId xmlns:p14="http://schemas.microsoft.com/office/powerpoint/2010/main" val="106612313"/>
+      </p:ext>
+    </p:extLst>
   </p:cSld>
   <p:clrMapOvr>
     <a:masterClrMapping/>
@@ -3273,6 +3393,11 @@
         </p:txBody>
       </p:sp>
     </p:spTree>
+    <p:extLst>
+      <p:ext uri="{BB962C8B-B14F-4D97-AF65-F5344CB8AC3E}">
+        <p14:creationId xmlns:p14="http://schemas.microsoft.com/office/powerpoint/2010/main" val="1754751659"/>
+      </p:ext>
+    </p:extLst>
   </p:cSld>
   <p:clrMapOvr>
     <a:masterClrMapping/>
@@ -3404,6 +3529,11 @@
         </p:txBody>
       </p:sp>
     </p:spTree>
+    <p:extLst>
+      <p:ext uri="{BB962C8B-B14F-4D97-AF65-F5344CB8AC3E}">
+        <p14:creationId xmlns:p14="http://schemas.microsoft.com/office/powerpoint/2010/main" val="1154490019"/>
+      </p:ext>
+    </p:extLst>
   </p:cSld>
   <p:clrMapOvr>
     <a:masterClrMapping/>
@@ -3523,6 +3653,11 @@
         </p:txBody>
       </p:sp>
     </p:spTree>
+    <p:extLst>
+      <p:ext uri="{BB962C8B-B14F-4D97-AF65-F5344CB8AC3E}">
+        <p14:creationId xmlns:p14="http://schemas.microsoft.com/office/powerpoint/2010/main" val="1405303885"/>
+      </p:ext>
+    </p:extLst>
   </p:cSld>
   <p:clrMapOvr>
     <a:masterClrMapping/>
@@ -3703,6 +3838,11 @@
         </p:txBody>
       </p:sp>
     </p:spTree>
+    <p:extLst>
+      <p:ext uri="{BB962C8B-B14F-4D97-AF65-F5344CB8AC3E}">
+        <p14:creationId xmlns:p14="http://schemas.microsoft.com/office/powerpoint/2010/main" val="2547064579"/>
+      </p:ext>
+    </p:extLst>
   </p:cSld>
   <p:clrMapOvr>
     <a:masterClrMapping/>
@@ -3849,6 +3989,11 @@
         </p:txBody>
       </p:sp>
     </p:spTree>
+    <p:extLst>
+      <p:ext uri="{BB962C8B-B14F-4D97-AF65-F5344CB8AC3E}">
+        <p14:creationId xmlns:p14="http://schemas.microsoft.com/office/powerpoint/2010/main" val="3957004355"/>
+      </p:ext>
+    </p:extLst>
   </p:cSld>
   <p:clrMapOvr>
     <a:masterClrMapping/>
@@ -3994,6 +4139,11 @@
         </p:txBody>
       </p:sp>
     </p:spTree>
+    <p:extLst>
+      <p:ext uri="{BB962C8B-B14F-4D97-AF65-F5344CB8AC3E}">
+        <p14:creationId xmlns:p14="http://schemas.microsoft.com/office/powerpoint/2010/main" val="2041617262"/>
+      </p:ext>
+    </p:extLst>
   </p:cSld>
   <p:clrMapOvr>
     <a:masterClrMapping/>
@@ -4140,6 +4290,11 @@
         </p:txBody>
       </p:sp>
     </p:spTree>
+    <p:extLst>
+      <p:ext uri="{BB962C8B-B14F-4D97-AF65-F5344CB8AC3E}">
+        <p14:creationId xmlns:p14="http://schemas.microsoft.com/office/powerpoint/2010/main" val="2318323457"/>
+      </p:ext>
+    </p:extLst>
   </p:cSld>
   <p:clrMapOvr>
     <a:masterClrMapping/>
@@ -6761,6 +6916,13 @@
   <p:clrMapOvr>
     <a:masterClrMapping/>
   </p:clrMapOvr>
+  <p:timing>
+    <p:tnLst>
+      <p:par>
+        <p:cTn id="1" dur="indefinite" restart="never" nodeType="tmRoot"/>
+      </p:par>
+    </p:tnLst>
+  </p:timing>
 </p:sld>
 </file>
 
@@ -9148,6 +9310,13 @@
   <p:clrMapOvr>
     <a:masterClrMapping/>
   </p:clrMapOvr>
+  <p:timing>
+    <p:tnLst>
+      <p:par>
+        <p:cTn id="1" dur="indefinite" restart="never" nodeType="tmRoot"/>
+      </p:par>
+    </p:tnLst>
+  </p:timing>
 </p:sld>
 </file>
 
@@ -11850,6 +12019,13 @@
   <p:clrMapOvr>
     <a:masterClrMapping/>
   </p:clrMapOvr>
+  <p:timing>
+    <p:tnLst>
+      <p:par>
+        <p:cTn id="1" dur="indefinite" restart="never" nodeType="tmRoot"/>
+      </p:par>
+    </p:tnLst>
+  </p:timing>
 </p:sld>
 </file>
 
@@ -12076,6 +12252,13 @@
   <p:clrMapOvr>
     <a:masterClrMapping/>
   </p:clrMapOvr>
+  <p:timing>
+    <p:tnLst>
+      <p:par>
+        <p:cTn id="1" dur="indefinite" restart="never" nodeType="tmRoot"/>
+      </p:par>
+    </p:tnLst>
+  </p:timing>
 </p:sld>
 </file>
 
@@ -13052,6 +13235,13 @@
   <p:clrMapOvr>
     <a:masterClrMapping/>
   </p:clrMapOvr>
+  <p:timing>
+    <p:tnLst>
+      <p:par>
+        <p:cTn id="1" dur="indefinite" restart="never" nodeType="tmRoot"/>
+      </p:par>
+    </p:tnLst>
+  </p:timing>
 </p:sld>
 </file>
 
@@ -13798,6 +13988,13 @@
   <p:clrMapOvr>
     <a:masterClrMapping/>
   </p:clrMapOvr>
+  <p:timing>
+    <p:tnLst>
+      <p:par>
+        <p:cTn id="1" dur="indefinite" restart="never" nodeType="tmRoot"/>
+      </p:par>
+    </p:tnLst>
+  </p:timing>
 </p:sld>
 </file>
 
@@ -14706,6 +14903,13 @@
   <p:clrMapOvr>
     <a:masterClrMapping/>
   </p:clrMapOvr>
+  <p:timing>
+    <p:tnLst>
+      <p:par>
+        <p:cTn id="1" dur="indefinite" restart="never" nodeType="tmRoot"/>
+      </p:par>
+    </p:tnLst>
+  </p:timing>
 </p:sld>
 </file>
 
@@ -15494,6 +15698,13 @@
   <p:clrMapOvr>
     <a:masterClrMapping/>
   </p:clrMapOvr>
+  <p:timing>
+    <p:tnLst>
+      <p:par>
+        <p:cTn id="1" dur="indefinite" restart="never" nodeType="tmRoot"/>
+      </p:par>
+    </p:tnLst>
+  </p:timing>
 </p:sld>
 </file>
 
@@ -16026,6 +16237,13 @@
   <p:clrMapOvr>
     <a:masterClrMapping/>
   </p:clrMapOvr>
+  <p:timing>
+    <p:tnLst>
+      <p:par>
+        <p:cTn id="1" dur="indefinite" restart="never" nodeType="tmRoot"/>
+      </p:par>
+    </p:tnLst>
+  </p:timing>
 </p:sld>
 </file>
 
@@ -16731,6 +16949,13 @@
   <p:clrMapOvr>
     <a:masterClrMapping/>
   </p:clrMapOvr>
+  <p:timing>
+    <p:tnLst>
+      <p:par>
+        <p:cTn id="1" dur="indefinite" restart="never" nodeType="tmRoot"/>
+      </p:par>
+    </p:tnLst>
+  </p:timing>
 </p:sld>
 </file>
 
@@ -18578,6 +18803,13 @@
   <p:clrMapOvr>
     <a:masterClrMapping/>
   </p:clrMapOvr>
+  <p:timing>
+    <p:tnLst>
+      <p:par>
+        <p:cTn id="1" dur="indefinite" restart="never" nodeType="tmRoot"/>
+      </p:par>
+    </p:tnLst>
+  </p:timing>
 </p:sld>
 </file>
 
@@ -19306,6 +19538,13 @@
   <p:clrMapOvr>
     <a:masterClrMapping/>
   </p:clrMapOvr>
+  <p:timing>
+    <p:tnLst>
+      <p:par>
+        <p:cTn id="1" dur="indefinite" restart="never" nodeType="tmRoot"/>
+      </p:par>
+    </p:tnLst>
+  </p:timing>
 </p:sld>
 </file>
 
@@ -19738,6 +19977,13 @@
   <p:clrMapOvr>
     <a:masterClrMapping/>
   </p:clrMapOvr>
+  <p:timing>
+    <p:tnLst>
+      <p:par>
+        <p:cTn id="1" dur="indefinite" restart="never" nodeType="tmRoot"/>
+      </p:par>
+    </p:tnLst>
+  </p:timing>
 </p:sld>
 </file>
 
@@ -19808,16 +20054,16 @@
               <a:t>Avec LINQ, les requêtes peuvent se faire sur tout objet qui implémente </a:t>
             </a:r>
             <a:r>
-              <a:rPr lang="fr-FR" sz="1800" noProof="0" dirty="0" err="1" smtClean="0">
-                <a:latin typeface="Courier New" pitchFamily="49" charset="0"/>
-              </a:rPr>
-              <a:t>IQueryable</a:t>
+              <a:rPr lang="fr-FR" sz="1800" noProof="0" smtClean="0">
+                <a:latin typeface="Courier New" pitchFamily="49" charset="0"/>
+              </a:rPr>
+              <a:t>IEnumerable&lt;T</a:t>
             </a:r>
             <a:r>
               <a:rPr lang="fr-FR" sz="1800" noProof="0" dirty="0" smtClean="0">
                 <a:latin typeface="Courier New" pitchFamily="49" charset="0"/>
               </a:rPr>
-              <a:t>&lt;T&gt;</a:t>
+              <a:t>&gt;</a:t>
             </a:r>
           </a:p>
           <a:p>
@@ -20396,6 +20642,13 @@
   <p:clrMapOvr>
     <a:masterClrMapping/>
   </p:clrMapOvr>
+  <p:timing>
+    <p:tnLst>
+      <p:par>
+        <p:cTn id="1" dur="indefinite" restart="never" nodeType="tmRoot"/>
+      </p:par>
+    </p:tnLst>
+  </p:timing>
 </p:sld>
 </file>
 
@@ -22793,6 +23046,13 @@
   <p:clrMapOvr>
     <a:masterClrMapping/>
   </p:clrMapOvr>
+  <p:timing>
+    <p:tnLst>
+      <p:par>
+        <p:cTn id="1" dur="indefinite" restart="never" nodeType="tmRoot"/>
+      </p:par>
+    </p:tnLst>
+  </p:timing>
 </p:sld>
 </file>
 
@@ -23030,6 +23290,13 @@
   <p:clrMapOvr>
     <a:masterClrMapping/>
   </p:clrMapOvr>
+  <p:timing>
+    <p:tnLst>
+      <p:par>
+        <p:cTn id="1" dur="indefinite" restart="never" nodeType="tmRoot"/>
+      </p:par>
+    </p:tnLst>
+  </p:timing>
 </p:sld>
 </file>
 
@@ -23689,6 +23956,13 @@
   <p:clrMapOvr>
     <a:masterClrMapping/>
   </p:clrMapOvr>
+  <p:timing>
+    <p:tnLst>
+      <p:par>
+        <p:cTn id="1" dur="indefinite" restart="never" nodeType="tmRoot"/>
+      </p:par>
+    </p:tnLst>
+  </p:timing>
 </p:sld>
 </file>
 
